--- a/spark-basic-sql.pptx
+++ b/spark-basic-sql.pptx
@@ -154,7 +154,7 @@
   </p:defaultTextStyle>
   <p:extLst>
     <p:ext uri="{EFAFB233-063F-42B5-8137-9DF3F51BA10A}">
-      <p15:sldGuideLst xmlns="" xmlns:p15="http://schemas.microsoft.com/office/powerpoint/2012/main">
+      <p15:sldGuideLst xmlns:p15="http://schemas.microsoft.com/office/powerpoint/2012/main" xmlns="">
         <p15:guide id="1" orient="horz" pos="2218" userDrawn="1">
           <p15:clr>
             <a:srgbClr val="A4A3A4"/>
@@ -208,7 +208,7 @@
       </p15:sldGuideLst>
     </p:ext>
     <p:ext uri="{2D200454-40CA-4A62-9FC3-DE9A4176ACB9}">
-      <p15:notesGuideLst xmlns="" xmlns:p15="http://schemas.microsoft.com/office/powerpoint/2012/main">
+      <p15:notesGuideLst xmlns:p15="http://schemas.microsoft.com/office/powerpoint/2012/main" xmlns="">
         <p15:guide id="1" orient="horz" pos="2928" userDrawn="1">
           <p15:clr>
             <a:srgbClr val="A4A3A4"/>
@@ -10982,6 +10982,13 @@
   <p:clrMapOvr>
     <a:masterClrMapping/>
   </p:clrMapOvr>
+  <p:timing>
+    <p:tnLst>
+      <p:par>
+        <p:cTn xmlns:p14="http://schemas.microsoft.com/office/powerpoint/2010/main" id="1" dur="indefinite" restart="never" nodeType="tmRoot"/>
+      </p:par>
+    </p:tnLst>
+  </p:timing>
 </p:sld>
 </file>
 
@@ -11107,6 +11114,13 @@
   <p:clrMapOvr>
     <a:masterClrMapping/>
   </p:clrMapOvr>
+  <p:timing>
+    <p:tnLst>
+      <p:par>
+        <p:cTn xmlns:p14="http://schemas.microsoft.com/office/powerpoint/2010/main" id="1" dur="indefinite" restart="never" nodeType="tmRoot"/>
+      </p:par>
+    </p:tnLst>
+  </p:timing>
 </p:sld>
 </file>
 
@@ -11232,6 +11246,13 @@
   <p:clrMapOvr>
     <a:masterClrMapping/>
   </p:clrMapOvr>
+  <p:timing>
+    <p:tnLst>
+      <p:par>
+        <p:cTn xmlns:p14="http://schemas.microsoft.com/office/powerpoint/2010/main" id="1" dur="indefinite" restart="never" nodeType="tmRoot"/>
+      </p:par>
+    </p:tnLst>
+  </p:timing>
 </p:sld>
 </file>
 
@@ -14375,50 +14396,50 @@
               <a:t>-programming-</a:t>
             </a:r>
             <a:r>
+              <a:rPr kumimoji="1" lang="en-US" altLang="zh-CN" dirty="0" err="1"/>
+              <a:t>guide.html</a:t>
+            </a:r>
+            <a:endParaRPr kumimoji="1" lang="en-US" altLang="zh-CN" dirty="0" smtClean="0"/>
+          </a:p>
+          <a:p>
+            <a:endParaRPr kumimoji="1" lang="en-US" altLang="zh-CN" dirty="0"/>
+          </a:p>
+          <a:p>
+            <a:r>
+              <a:rPr kumimoji="1" lang="en-US" altLang="zh-CN" dirty="0" smtClean="0">
+                <a:hlinkClick r:id="rId2"/>
+              </a:rPr>
+              <a:t>https</a:t>
+            </a:r>
+            <a:r>
+              <a:rPr kumimoji="1" lang="en-US" altLang="zh-CN" dirty="0">
+                <a:hlinkClick r:id="rId2"/>
+              </a:rPr>
+              <a:t>://github.com/apache/spark/blob/master/python/pyspark/sql/</a:t>
+            </a:r>
+            <a:r>
+              <a:rPr kumimoji="1" lang="en-US" altLang="zh-CN" dirty="0" smtClean="0">
+                <a:hlinkClick r:id="rId2"/>
+              </a:rPr>
+              <a:t>context.py</a:t>
+            </a:r>
+            <a:endParaRPr kumimoji="1" lang="en-US" altLang="zh-CN" dirty="0" smtClean="0"/>
+          </a:p>
+          <a:p>
+            <a:endParaRPr kumimoji="1" lang="en-US" altLang="zh-CN" dirty="0"/>
+          </a:p>
+          <a:p>
+            <a:r>
+              <a:rPr kumimoji="1" lang="en-US" altLang="zh-CN" dirty="0"/>
+              <a:t>https://</a:t>
+            </a:r>
+            <a:r>
+              <a:rPr kumimoji="1" lang="en-US" altLang="zh-CN" dirty="0" err="1"/>
+              <a:t>databricks.com</a:t>
+            </a:r>
+            <a:r>
               <a:rPr kumimoji="1" lang="en-US" altLang="zh-CN"/>
-              <a:t>guide.html</a:t>
-            </a:r>
-            <a:endParaRPr kumimoji="1" lang="en-US" altLang="zh-CN" dirty="0" smtClean="0"/>
-          </a:p>
-          <a:p>
-            <a:endParaRPr kumimoji="1" lang="en-US" altLang="zh-CN" dirty="0"/>
-          </a:p>
-          <a:p>
-            <a:r>
-              <a:rPr kumimoji="1" lang="en-US" altLang="zh-CN" dirty="0" smtClean="0"/>
-              <a:t>https</a:t>
-            </a:r>
-            <a:r>
-              <a:rPr kumimoji="1" lang="en-US" altLang="zh-CN" dirty="0"/>
-              <a:t>://</a:t>
-            </a:r>
-            <a:r>
-              <a:rPr kumimoji="1" lang="en-US" altLang="zh-CN" dirty="0" err="1"/>
-              <a:t>github.com</a:t>
-            </a:r>
-            <a:r>
-              <a:rPr kumimoji="1" lang="en-US" altLang="zh-CN" dirty="0"/>
-              <a:t>/apache/spark/blob/master/python/</a:t>
-            </a:r>
-            <a:r>
-              <a:rPr kumimoji="1" lang="en-US" altLang="zh-CN" dirty="0" err="1"/>
-              <a:t>pyspark</a:t>
-            </a:r>
-            <a:r>
-              <a:rPr kumimoji="1" lang="en-US" altLang="zh-CN" dirty="0"/>
-              <a:t>/</a:t>
-            </a:r>
-            <a:r>
-              <a:rPr kumimoji="1" lang="en-US" altLang="zh-CN" dirty="0" err="1"/>
-              <a:t>sql</a:t>
-            </a:r>
-            <a:r>
-              <a:rPr kumimoji="1" lang="en-US" altLang="zh-CN" dirty="0"/>
-              <a:t>/</a:t>
-            </a:r>
-            <a:r>
-              <a:rPr kumimoji="1" lang="en-US" altLang="zh-CN" dirty="0" err="1"/>
-              <a:t>context.py</a:t>
+              <a:t>/blog/2015/02/17/introducing-dataframes-in-spark-for-large-scale-data-science.html</a:t>
             </a:r>
             <a:endParaRPr kumimoji="1" lang="zh-CN" altLang="en-US" dirty="0"/>
           </a:p>
@@ -14461,6 +14482,13 @@
   <p:clrMapOvr>
     <a:masterClrMapping/>
   </p:clrMapOvr>
+  <p:timing>
+    <p:tnLst>
+      <p:par>
+        <p:cTn xmlns:p14="http://schemas.microsoft.com/office/powerpoint/2010/main" id="1" dur="indefinite" restart="never" nodeType="tmRoot"/>
+      </p:par>
+    </p:tnLst>
+  </p:timing>
 </p:sld>
 </file>
 
@@ -15388,8 +15416,8 @@
         </p:nvSpPr>
         <p:spPr>
           <a:xfrm>
-            <a:off x="981799" y="2485106"/>
-            <a:ext cx="10970683" cy="988746"/>
+            <a:off x="981799" y="892904"/>
+            <a:ext cx="10970683" cy="2580948"/>
           </a:xfrm>
         </p:spPr>
         <p:txBody>
@@ -15397,34 +15425,132 @@
           <a:lstStyle/>
           <a:p>
             <a:r>
-              <a:rPr kumimoji="1" lang="en-US" altLang="zh-CN" dirty="0"/>
+              <a:rPr kumimoji="1" lang="en-US" altLang="zh-CN" sz="4400" dirty="0"/>
               <a:t>https://</a:t>
             </a:r>
             <a:r>
-              <a:rPr kumimoji="1" lang="en-US" altLang="zh-CN" dirty="0" err="1"/>
+              <a:rPr kumimoji="1" lang="en-US" altLang="zh-CN" sz="4400" dirty="0" err="1"/>
               <a:t>github.com</a:t>
             </a:r>
             <a:r>
-              <a:rPr kumimoji="1" lang="en-US" altLang="zh-CN" dirty="0"/>
+              <a:rPr kumimoji="1" lang="en-US" altLang="zh-CN" sz="4400" dirty="0"/>
               <a:t>/</a:t>
             </a:r>
             <a:r>
-              <a:rPr kumimoji="1" lang="en-US" altLang="zh-CN" dirty="0" err="1"/>
+              <a:rPr kumimoji="1" lang="en-US" altLang="zh-CN" sz="4400" dirty="0" err="1"/>
               <a:t>zhichao</a:t>
             </a:r>
             <a:r>
-              <a:rPr kumimoji="1" lang="en-US" altLang="zh-CN" dirty="0"/>
+              <a:rPr kumimoji="1" lang="en-US" altLang="zh-CN" sz="4400" dirty="0"/>
               <a:t>-li/</a:t>
             </a:r>
             <a:r>
-              <a:rPr kumimoji="1" lang="en-US" altLang="zh-CN" dirty="0" err="1"/>
+              <a:rPr kumimoji="1" lang="en-US" altLang="zh-CN" sz="4400" dirty="0" err="1"/>
               <a:t>fudan</a:t>
             </a:r>
             <a:r>
-              <a:rPr kumimoji="1" lang="en-US" altLang="zh-CN" dirty="0"/>
-              <a:t>-tutorial</a:t>
-            </a:r>
-            <a:endParaRPr kumimoji="1" lang="zh-CN" altLang="en-US" dirty="0"/>
+              <a:rPr kumimoji="1" lang="en-US" altLang="zh-CN" sz="4400" dirty="0"/>
+              <a:t>-</a:t>
+            </a:r>
+            <a:r>
+              <a:rPr kumimoji="1" lang="en-US" altLang="zh-CN" sz="4400" dirty="0" smtClean="0"/>
+              <a:t>tutorial</a:t>
+            </a:r>
+            <a:br>
+              <a:rPr kumimoji="1" lang="en-US" altLang="zh-CN" sz="4400" dirty="0" smtClean="0"/>
+            </a:br>
+            <a:r>
+              <a:rPr kumimoji="1" lang="en-US" altLang="zh-CN" sz="4400" dirty="0"/>
+              <a:t/>
+            </a:r>
+            <a:br>
+              <a:rPr kumimoji="1" lang="en-US" altLang="zh-CN" sz="4400" dirty="0"/>
+            </a:br>
+            <a:r>
+              <a:rPr kumimoji="1" lang="en-US" altLang="zh-CN" sz="4400" dirty="0" smtClean="0"/>
+              <a:t>tar -</a:t>
+            </a:r>
+            <a:r>
+              <a:rPr kumimoji="1" lang="en-US" altLang="zh-CN" sz="4400" dirty="0" err="1" smtClean="0"/>
+              <a:t>zxvf</a:t>
+            </a:r>
+            <a:r>
+              <a:rPr kumimoji="1" lang="en-US" altLang="zh-CN" sz="4400" dirty="0" smtClean="0"/>
+              <a:t>  </a:t>
+            </a:r>
+            <a:r>
+              <a:rPr kumimoji="1" lang="en-US" altLang="zh-CN" sz="4400" dirty="0" err="1" smtClean="0"/>
+              <a:t>xxxspark.tgz</a:t>
+            </a:r>
+            <a:r>
+              <a:rPr kumimoji="1" lang="en-US" altLang="zh-CN" sz="4400" dirty="0" smtClean="0"/>
+              <a:t/>
+            </a:r>
+            <a:br>
+              <a:rPr kumimoji="1" lang="en-US" altLang="zh-CN" sz="4400" dirty="0" smtClean="0"/>
+            </a:br>
+            <a:r>
+              <a:rPr kumimoji="1" lang="en-US" altLang="zh-CN" sz="4400" dirty="0"/>
+              <a:t/>
+            </a:r>
+            <a:br>
+              <a:rPr kumimoji="1" lang="en-US" altLang="zh-CN" sz="4400" dirty="0"/>
+            </a:br>
+            <a:r>
+              <a:rPr kumimoji="1" lang="en-US" altLang="zh-CN" sz="4400" dirty="0" err="1" smtClean="0"/>
+              <a:t>zhichao.li@intel.com</a:t>
+            </a:r>
+            <a:r>
+              <a:rPr kumimoji="1" lang="en-US" altLang="zh-CN" sz="4400" dirty="0" smtClean="0"/>
+              <a:t> </a:t>
+            </a:r>
+            <a:br>
+              <a:rPr kumimoji="1" lang="en-US" altLang="zh-CN" sz="4400" dirty="0" smtClean="0"/>
+            </a:br>
+            <a:r>
+              <a:rPr kumimoji="1" lang="en-US" altLang="zh-CN" sz="4400" dirty="0"/>
+              <a:t/>
+            </a:r>
+            <a:br>
+              <a:rPr kumimoji="1" lang="en-US" altLang="zh-CN" sz="4400" dirty="0"/>
+            </a:br>
+            <a:r>
+              <a:rPr kumimoji="1" lang="en-US" altLang="zh-CN" sz="4400" dirty="0"/>
+              <a:t>pip install </a:t>
+            </a:r>
+            <a:r>
+              <a:rPr kumimoji="1" lang="en-US" altLang="zh-CN" sz="4400" dirty="0" err="1" smtClean="0"/>
+              <a:t>pyspark</a:t>
+            </a:r>
+            <a:r>
+              <a:rPr kumimoji="1" lang="en-US" altLang="zh-CN" sz="4400" dirty="0" smtClean="0"/>
+              <a:t> -</a:t>
+            </a:r>
+            <a:r>
+              <a:rPr kumimoji="1" lang="en-US" altLang="zh-CN" sz="4400" dirty="0" err="1" smtClean="0"/>
+              <a:t>i</a:t>
+            </a:r>
+            <a:r>
+              <a:rPr kumimoji="1" lang="en-US" altLang="zh-CN" sz="4400" dirty="0"/>
+              <a:t> </a:t>
+            </a:r>
+            <a:r>
+              <a:rPr kumimoji="1" lang="en-US" altLang="zh-CN" sz="4400" dirty="0" smtClean="0"/>
+              <a:t>https</a:t>
+            </a:r>
+            <a:r>
+              <a:rPr kumimoji="1" lang="en-US" altLang="zh-CN" sz="4400" dirty="0"/>
+              <a:t>://</a:t>
+            </a:r>
+            <a:r>
+              <a:rPr kumimoji="1" lang="en-US" altLang="zh-CN" sz="4400" dirty="0" err="1"/>
+              <a:t>pypi.tuna.tsinghua.edu.cn</a:t>
+            </a:r>
+            <a:r>
+              <a:rPr kumimoji="1" lang="en-US" altLang="zh-CN" sz="4400" dirty="0"/>
+              <a:t>/simple</a:t>
+            </a:r>
+            <a:endParaRPr kumimoji="1" lang="zh-CN" altLang="en-US" sz="4400" dirty="0"/>
           </a:p>
         </p:txBody>
       </p:sp>
@@ -15486,6 +15612,13 @@
   <p:clrMapOvr>
     <a:masterClrMapping/>
   </p:clrMapOvr>
+  <p:timing>
+    <p:tnLst>
+      <p:par>
+        <p:cTn xmlns:p14="http://schemas.microsoft.com/office/powerpoint/2010/main" id="1" dur="indefinite" restart="never" nodeType="tmRoot"/>
+      </p:par>
+    </p:tnLst>
+  </p:timing>
 </p:sld>
 </file>
 
@@ -23822,6 +23955,13 @@
   <p:clrMapOvr>
     <a:masterClrMapping/>
   </p:clrMapOvr>
+  <p:timing>
+    <p:tnLst>
+      <p:par>
+        <p:cTn xmlns:p14="http://schemas.microsoft.com/office/powerpoint/2010/main" id="1" dur="indefinite" restart="never" nodeType="tmRoot"/>
+      </p:par>
+    </p:tnLst>
+  </p:timing>
 </p:sld>
 </file>
 
@@ -29761,6 +29901,13 @@
   <p:clrMapOvr>
     <a:masterClrMapping/>
   </p:clrMapOvr>
+  <p:timing>
+    <p:tnLst>
+      <p:par>
+        <p:cTn xmlns:p14="http://schemas.microsoft.com/office/powerpoint/2010/main" id="1" dur="indefinite" restart="never" nodeType="tmRoot"/>
+      </p:par>
+    </p:tnLst>
+  </p:timing>
 </p:sld>
 </file>
 
@@ -30932,6 +31079,13 @@
   <p:clrMapOvr>
     <a:masterClrMapping/>
   </p:clrMapOvr>
+  <p:timing>
+    <p:tnLst>
+      <p:par>
+        <p:cTn xmlns:p14="http://schemas.microsoft.com/office/powerpoint/2010/main" id="1" dur="indefinite" restart="never" nodeType="tmRoot"/>
+      </p:par>
+    </p:tnLst>
+  </p:timing>
 </p:sld>
 </file>
 
@@ -31097,6 +31251,13 @@
   <p:clrMapOvr>
     <a:masterClrMapping/>
   </p:clrMapOvr>
+  <p:timing>
+    <p:tnLst>
+      <p:par>
+        <p:cTn xmlns:p14="http://schemas.microsoft.com/office/powerpoint/2010/main" id="1" dur="indefinite" restart="never" nodeType="tmRoot"/>
+      </p:par>
+    </p:tnLst>
+  </p:timing>
 </p:sld>
 </file>
 
@@ -31200,8 +31361,8 @@
         </p:blipFill>
         <p:spPr>
           <a:xfrm>
-            <a:off x="2407766" y="1966070"/>
-            <a:ext cx="3727897" cy="2744366"/>
+            <a:off x="1976456" y="564215"/>
+            <a:ext cx="7810854" cy="5750117"/>
           </a:xfrm>
           <a:prstGeom prst="rect">
             <a:avLst/>
@@ -31218,6 +31379,13 @@
   <p:clrMapOvr>
     <a:masterClrMapping/>
   </p:clrMapOvr>
+  <p:timing>
+    <p:tnLst>
+      <p:par>
+        <p:cTn xmlns:p14="http://schemas.microsoft.com/office/powerpoint/2010/main" id="1" dur="indefinite" restart="never" nodeType="tmRoot"/>
+      </p:par>
+    </p:tnLst>
+  </p:timing>
 </p:sld>
 </file>
 
@@ -31331,16 +31499,10 @@
           <a:lstStyle/>
           <a:p>
             <a:r>
-              <a:rPr lang="en-US" altLang="zh-CN" sz="2400" dirty="0">
-                <a:hlinkClick r:id="rId2"/>
-              </a:rPr>
-              <a:t>https://spark.apache.org/docs/latest</a:t>
-            </a:r>
-            <a:r>
               <a:rPr lang="en-US" altLang="zh-CN" sz="2400" dirty="0" smtClean="0">
                 <a:hlinkClick r:id="rId2"/>
               </a:rPr>
-              <a:t>/</a:t>
+              <a:t>https://spark.apache.org/docs/latest/</a:t>
             </a:r>
             <a:endParaRPr lang="en-US" altLang="zh-CN" sz="2400" dirty="0" smtClean="0"/>
           </a:p>
@@ -31404,6 +31566,13 @@
   <p:clrMapOvr>
     <a:masterClrMapping/>
   </p:clrMapOvr>
+  <p:timing>
+    <p:tnLst>
+      <p:par>
+        <p:cTn xmlns:p14="http://schemas.microsoft.com/office/powerpoint/2010/main" id="1" dur="indefinite" restart="never" nodeType="tmRoot"/>
+      </p:par>
+    </p:tnLst>
+  </p:timing>
 </p:sld>
 </file>
 
@@ -31439,7 +31608,7 @@
           <a:bodyPr/>
           <a:lstStyle/>
           <a:p>
-            <a:endParaRPr kumimoji="1" lang="zh-CN" altLang="en-US"/>
+            <a:endParaRPr kumimoji="1" lang="zh-CN" altLang="en-US" dirty="0"/>
           </a:p>
         </p:txBody>
       </p:sp>
@@ -31544,11 +31713,7 @@
           <a:p>
             <a:r>
               <a:rPr lang="en-US" altLang="zh-CN" sz="2800" dirty="0" smtClean="0"/>
-              <a:t>e</a:t>
-            </a:r>
-            <a:r>
-              <a:rPr lang="en-US" altLang="zh-CN" sz="2800" dirty="0" smtClean="0"/>
-              <a:t>xport PATH=</a:t>
+              <a:t>export PATH=</a:t>
             </a:r>
             <a:r>
               <a:rPr lang="en-US" altLang="zh-CN" sz="2800" dirty="0" err="1" smtClean="0"/>
@@ -31561,9 +31726,16 @@
             <a:endParaRPr lang="en-US" altLang="zh-CN" sz="2800" dirty="0"/>
           </a:p>
           <a:p>
+            <a:endParaRPr lang="en-US" altLang="zh-CN" sz="2800" dirty="0" smtClean="0"/>
+          </a:p>
+          <a:p>
+            <a:r>
+              <a:rPr lang="en-US" altLang="zh-CN" sz="2800" dirty="0" smtClean="0"/>
+              <a:t>export </a:t>
+            </a:r>
             <a:r>
               <a:rPr lang="en-US" altLang="zh-CN" sz="2800" dirty="0"/>
-              <a:t>export SPARK_HOME=path</a:t>
+              <a:t>SPARK_HOME=path</a:t>
             </a:r>
             <a:r>
               <a:rPr lang="zh-CN" altLang="en-US" sz="2800" dirty="0"/>
@@ -31579,10 +31751,12 @@
             </a:r>
             <a:r>
               <a:rPr lang="en-US" altLang="zh-CN" sz="2800" dirty="0"/>
-              <a:t>spark-2.0.2-bin-hadoop2.7</a:t>
-            </a:r>
-          </a:p>
-          <a:p>
+              <a:t>spark-2.0.2-bin-</a:t>
+            </a:r>
+            <a:r>
+              <a:rPr lang="en-US" altLang="zh-CN" sz="2800" dirty="0" smtClean="0"/>
+              <a:t>hadoop2.7</a:t>
+            </a:r>
             <a:endParaRPr lang="en-US" altLang="zh-CN" sz="2800" dirty="0"/>
           </a:p>
           <a:p>
@@ -31636,6 +31810,13 @@
   <p:clrMapOvr>
     <a:masterClrMapping/>
   </p:clrMapOvr>
+  <p:timing>
+    <p:tnLst>
+      <p:par>
+        <p:cTn xmlns:p14="http://schemas.microsoft.com/office/powerpoint/2010/main" id="1" dur="indefinite" restart="never" nodeType="tmRoot"/>
+      </p:par>
+    </p:tnLst>
+  </p:timing>
 </p:sld>
 </file>
 
@@ -31971,7 +32152,7 @@
   <a:extraClrSchemeLst/>
   <a:extLst>
     <a:ext uri="{05A4C25C-085E-4340-85A3-A5531E510DB2}">
-      <thm15:themeFamily xmlns="" xmlns:thm15="http://schemas.microsoft.com/office/thememl/2012/main" name="intel" id="{46A7DA87-2491-924F-AD59-6BEFCB19CB73}" vid="{734FE593-6B4D-B74A-B9F5-5CE4D44A1C80}"/>
+      <thm15:themeFamily xmlns:thm15="http://schemas.microsoft.com/office/thememl/2012/main" xmlns="" name="intel" id="{46A7DA87-2491-924F-AD59-6BEFCB19CB73}" vid="{734FE593-6B4D-B74A-B9F5-5CE4D44A1C80}"/>
     </a:ext>
   </a:extLst>
 </a:theme>
